--- a/final_project.pptx
+++ b/final_project.pptx
@@ -11,8 +11,9 @@
     <p:sldId id="262" r:id="rId5"/>
     <p:sldId id="266" r:id="rId6"/>
     <p:sldId id="264" r:id="rId7"/>
-    <p:sldId id="258" r:id="rId8"/>
-    <p:sldId id="263" r:id="rId9"/>
+    <p:sldId id="267" r:id="rId8"/>
+    <p:sldId id="258" r:id="rId9"/>
+    <p:sldId id="263" r:id="rId10"/>
   </p:sldIdLst>
   <p:sldSz cx="12192000" cy="6858000"/>
   <p:notesSz cx="6858000" cy="9144000"/>
@@ -266,7 +267,7 @@
           <a:p>
             <a:fld id="{269866D5-F2F7-42F6-B52F-A4D816556803}" type="datetimeFigureOut">
               <a:rPr lang="zh-TW" altLang="en-US" smtClean="0"/>
-              <a:t>2022/6/15</a:t>
+              <a:t>2022/6/16</a:t>
             </a:fld>
             <a:endParaRPr lang="zh-TW" altLang="en-US"/>
           </a:p>
@@ -464,7 +465,7 @@
           <a:p>
             <a:fld id="{269866D5-F2F7-42F6-B52F-A4D816556803}" type="datetimeFigureOut">
               <a:rPr lang="zh-TW" altLang="en-US" smtClean="0"/>
-              <a:t>2022/6/15</a:t>
+              <a:t>2022/6/16</a:t>
             </a:fld>
             <a:endParaRPr lang="zh-TW" altLang="en-US"/>
           </a:p>
@@ -672,7 +673,7 @@
           <a:p>
             <a:fld id="{269866D5-F2F7-42F6-B52F-A4D816556803}" type="datetimeFigureOut">
               <a:rPr lang="zh-TW" altLang="en-US" smtClean="0"/>
-              <a:t>2022/6/15</a:t>
+              <a:t>2022/6/16</a:t>
             </a:fld>
             <a:endParaRPr lang="zh-TW" altLang="en-US"/>
           </a:p>
@@ -870,7 +871,7 @@
           <a:p>
             <a:fld id="{269866D5-F2F7-42F6-B52F-A4D816556803}" type="datetimeFigureOut">
               <a:rPr lang="zh-TW" altLang="en-US" smtClean="0"/>
-              <a:t>2022/6/15</a:t>
+              <a:t>2022/6/16</a:t>
             </a:fld>
             <a:endParaRPr lang="zh-TW" altLang="en-US"/>
           </a:p>
@@ -1145,7 +1146,7 @@
           <a:p>
             <a:fld id="{269866D5-F2F7-42F6-B52F-A4D816556803}" type="datetimeFigureOut">
               <a:rPr lang="zh-TW" altLang="en-US" smtClean="0"/>
-              <a:t>2022/6/15</a:t>
+              <a:t>2022/6/16</a:t>
             </a:fld>
             <a:endParaRPr lang="zh-TW" altLang="en-US"/>
           </a:p>
@@ -1410,7 +1411,7 @@
           <a:p>
             <a:fld id="{269866D5-F2F7-42F6-B52F-A4D816556803}" type="datetimeFigureOut">
               <a:rPr lang="zh-TW" altLang="en-US" smtClean="0"/>
-              <a:t>2022/6/15</a:t>
+              <a:t>2022/6/16</a:t>
             </a:fld>
             <a:endParaRPr lang="zh-TW" altLang="en-US"/>
           </a:p>
@@ -1822,7 +1823,7 @@
           <a:p>
             <a:fld id="{269866D5-F2F7-42F6-B52F-A4D816556803}" type="datetimeFigureOut">
               <a:rPr lang="zh-TW" altLang="en-US" smtClean="0"/>
-              <a:t>2022/6/15</a:t>
+              <a:t>2022/6/16</a:t>
             </a:fld>
             <a:endParaRPr lang="zh-TW" altLang="en-US"/>
           </a:p>
@@ -1963,7 +1964,7 @@
           <a:p>
             <a:fld id="{269866D5-F2F7-42F6-B52F-A4D816556803}" type="datetimeFigureOut">
               <a:rPr lang="zh-TW" altLang="en-US" smtClean="0"/>
-              <a:t>2022/6/15</a:t>
+              <a:t>2022/6/16</a:t>
             </a:fld>
             <a:endParaRPr lang="zh-TW" altLang="en-US"/>
           </a:p>
@@ -2076,7 +2077,7 @@
           <a:p>
             <a:fld id="{269866D5-F2F7-42F6-B52F-A4D816556803}" type="datetimeFigureOut">
               <a:rPr lang="zh-TW" altLang="en-US" smtClean="0"/>
-              <a:t>2022/6/15</a:t>
+              <a:t>2022/6/16</a:t>
             </a:fld>
             <a:endParaRPr lang="zh-TW" altLang="en-US"/>
           </a:p>
@@ -2387,7 +2388,7 @@
           <a:p>
             <a:fld id="{269866D5-F2F7-42F6-B52F-A4D816556803}" type="datetimeFigureOut">
               <a:rPr lang="zh-TW" altLang="en-US" smtClean="0"/>
-              <a:t>2022/6/15</a:t>
+              <a:t>2022/6/16</a:t>
             </a:fld>
             <a:endParaRPr lang="zh-TW" altLang="en-US"/>
           </a:p>
@@ -2675,7 +2676,7 @@
           <a:p>
             <a:fld id="{269866D5-F2F7-42F6-B52F-A4D816556803}" type="datetimeFigureOut">
               <a:rPr lang="zh-TW" altLang="en-US" smtClean="0"/>
-              <a:t>2022/6/15</a:t>
+              <a:t>2022/6/16</a:t>
             </a:fld>
             <a:endParaRPr lang="zh-TW" altLang="en-US"/>
           </a:p>
@@ -2916,7 +2917,7 @@
           <a:p>
             <a:fld id="{269866D5-F2F7-42F6-B52F-A4D816556803}" type="datetimeFigureOut">
               <a:rPr lang="zh-TW" altLang="en-US" smtClean="0"/>
-              <a:t>2022/6/15</a:t>
+              <a:t>2022/6/16</a:t>
             </a:fld>
             <a:endParaRPr lang="zh-TW" altLang="en-US"/>
           </a:p>
@@ -4232,7 +4233,7 @@
         <p:spPr>
           <a:xfrm>
             <a:off x="838200" y="5110646"/>
-            <a:ext cx="10515600" cy="493369"/>
+            <a:ext cx="10515600" cy="841629"/>
           </a:xfrm>
           <a:prstGeom prst="rect">
             <a:avLst/>
@@ -4240,7 +4241,7 @@
         </p:spPr>
         <p:txBody>
           <a:bodyPr vert="horz" lIns="91440" tIns="45720" rIns="91440" bIns="45720" rtlCol="0">
-            <a:normAutofit fontScale="85000" lnSpcReduction="10000"/>
+            <a:normAutofit/>
           </a:bodyPr>
           <a:lstStyle>
             <a:lvl1pPr marL="228600" indent="-228600" algn="l" defTabSz="914400" rtl="0" eaLnBrk="1" latinLnBrk="0" hangingPunct="1">
@@ -4412,7 +4413,7 @@
               <a:buNone/>
             </a:pPr>
             <a:r>
-              <a:rPr lang="zh-TW" altLang="en-US" dirty="0">
+              <a:rPr lang="zh-TW" altLang="en-US" sz="2400" dirty="0">
                 <a:solidFill>
                   <a:srgbClr val="000000"/>
                 </a:solidFill>
@@ -4422,7 +4423,7 @@
               <a:t>為了讓 </a:t>
             </a:r>
             <a:r>
-              <a:rPr lang="en-US" altLang="zh-TW" dirty="0">
+              <a:rPr lang="en-US" altLang="zh-TW" sz="2400" dirty="0">
                 <a:solidFill>
                   <a:srgbClr val="000000"/>
                 </a:solidFill>
@@ -4432,16 +4433,96 @@
               <a:t>STM32 </a:t>
             </a:r>
             <a:r>
-              <a:rPr lang="zh-TW" altLang="en-US" dirty="0">
+              <a:rPr lang="zh-TW" altLang="en-US" sz="2400" dirty="0">
                 <a:solidFill>
                   <a:srgbClr val="000000"/>
                 </a:solidFill>
                 <a:latin typeface="Microsoft JhengHei" panose="020B0604030504040204" pitchFamily="34" charset="-120"/>
                 <a:ea typeface="Microsoft JhengHei" panose="020B0604030504040204" pitchFamily="34" charset="-120"/>
               </a:rPr>
-              <a:t>可以足夠快速的調整音量，我們以右移運算代替乘、除法。</a:t>
-            </a:r>
-            <a:endParaRPr lang="en-US" altLang="zh-TW" dirty="0">
+              <a:t>可以足夠快速的調整音量，我們以右移運算代替乘、除法，所以音量為 </a:t>
+            </a:r>
+            <a:r>
+              <a:rPr lang="en-US" altLang="zh-TW" sz="2400" dirty="0">
+                <a:solidFill>
+                  <a:srgbClr val="000000"/>
+                </a:solidFill>
+                <a:latin typeface="Microsoft JhengHei" panose="020B0604030504040204" pitchFamily="34" charset="-120"/>
+                <a:ea typeface="Microsoft JhengHei" panose="020B0604030504040204" pitchFamily="34" charset="-120"/>
+              </a:rPr>
+              <a:t>1</a:t>
+            </a:r>
+            <a:r>
+              <a:rPr lang="zh-TW" altLang="en-US" sz="2400" dirty="0">
+                <a:solidFill>
+                  <a:srgbClr val="000000"/>
+                </a:solidFill>
+                <a:latin typeface="Microsoft JhengHei" panose="020B0604030504040204" pitchFamily="34" charset="-120"/>
+                <a:ea typeface="Microsoft JhengHei" panose="020B0604030504040204" pitchFamily="34" charset="-120"/>
+              </a:rPr>
+              <a:t>、</a:t>
+            </a:r>
+            <a:r>
+              <a:rPr lang="en-US" altLang="zh-TW" sz="2400" dirty="0">
+                <a:solidFill>
+                  <a:srgbClr val="000000"/>
+                </a:solidFill>
+                <a:latin typeface="Microsoft JhengHei" panose="020B0604030504040204" pitchFamily="34" charset="-120"/>
+                <a:ea typeface="Microsoft JhengHei" panose="020B0604030504040204" pitchFamily="34" charset="-120"/>
+              </a:rPr>
+              <a:t>1/2</a:t>
+            </a:r>
+            <a:r>
+              <a:rPr lang="zh-TW" altLang="en-US" sz="2400" dirty="0">
+                <a:solidFill>
+                  <a:srgbClr val="000000"/>
+                </a:solidFill>
+                <a:latin typeface="Microsoft JhengHei" panose="020B0604030504040204" pitchFamily="34" charset="-120"/>
+                <a:ea typeface="Microsoft JhengHei" panose="020B0604030504040204" pitchFamily="34" charset="-120"/>
+              </a:rPr>
+              <a:t>、</a:t>
+            </a:r>
+            <a:r>
+              <a:rPr lang="en-US" altLang="zh-TW" sz="2400" dirty="0">
+                <a:solidFill>
+                  <a:srgbClr val="000000"/>
+                </a:solidFill>
+                <a:latin typeface="Microsoft JhengHei" panose="020B0604030504040204" pitchFamily="34" charset="-120"/>
+                <a:ea typeface="Microsoft JhengHei" panose="020B0604030504040204" pitchFamily="34" charset="-120"/>
+              </a:rPr>
+              <a:t>1/4</a:t>
+            </a:r>
+            <a:r>
+              <a:rPr lang="zh-TW" altLang="en-US" sz="2400" dirty="0">
+                <a:solidFill>
+                  <a:srgbClr val="000000"/>
+                </a:solidFill>
+                <a:latin typeface="Microsoft JhengHei" panose="020B0604030504040204" pitchFamily="34" charset="-120"/>
+                <a:ea typeface="Microsoft JhengHei" panose="020B0604030504040204" pitchFamily="34" charset="-120"/>
+              </a:rPr>
+              <a:t>、</a:t>
+            </a:r>
+            <a:r>
+              <a:rPr lang="en-US" altLang="zh-TW" sz="2400" dirty="0">
+                <a:solidFill>
+                  <a:srgbClr val="000000"/>
+                </a:solidFill>
+                <a:latin typeface="Microsoft JhengHei" panose="020B0604030504040204" pitchFamily="34" charset="-120"/>
+                <a:ea typeface="Microsoft JhengHei" panose="020B0604030504040204" pitchFamily="34" charset="-120"/>
+              </a:rPr>
+              <a:t>…</a:t>
+            </a:r>
+            <a:r>
+              <a:rPr lang="zh-TW" altLang="en-US" sz="2400" dirty="0">
+                <a:solidFill>
+                  <a:srgbClr val="000000"/>
+                </a:solidFill>
+                <a:latin typeface="Microsoft JhengHei" panose="020B0604030504040204" pitchFamily="34" charset="-120"/>
+                <a:ea typeface="Microsoft JhengHei" panose="020B0604030504040204" pitchFamily="34" charset="-120"/>
+              </a:rPr>
+              <a:t>。</a:t>
+            </a:r>
+            <a:endParaRPr lang="en-US" altLang="zh-TW" sz="2400" dirty="0">
               <a:latin typeface="Microsoft JhengHei" panose="020B0604030504040204" pitchFamily="34" charset="-120"/>
               <a:ea typeface="Microsoft JhengHei" panose="020B0604030504040204" pitchFamily="34" charset="-120"/>
             </a:endParaRPr>
@@ -4672,8 +4753,8 @@
         </p:nvSpPr>
         <p:spPr>
           <a:xfrm>
-            <a:off x="838200" y="4882319"/>
-            <a:ext cx="10515600" cy="1610556"/>
+            <a:off x="838199" y="4882319"/>
+            <a:ext cx="10821693" cy="1804808"/>
           </a:xfrm>
           <a:prstGeom prst="rect">
             <a:avLst/>
@@ -4681,7 +4762,7 @@
         </p:spPr>
         <p:txBody>
           <a:bodyPr vert="horz" lIns="91440" tIns="45720" rIns="91440" bIns="45720" rtlCol="0">
-            <a:normAutofit/>
+            <a:noAutofit/>
           </a:bodyPr>
           <a:lstStyle>
             <a:lvl1pPr marL="228600" indent="-228600" algn="l" defTabSz="914400" rtl="0" eaLnBrk="1" latinLnBrk="0" hangingPunct="1">
@@ -4853,7 +4934,7 @@
               <a:buNone/>
             </a:pPr>
             <a:r>
-              <a:rPr lang="zh-TW" altLang="en-US" dirty="0">
+              <a:rPr lang="zh-TW" altLang="en-US" sz="2400" dirty="0">
                 <a:solidFill>
                   <a:srgbClr val="000000"/>
                 </a:solidFill>
@@ -4863,7 +4944,7 @@
               <a:t>為了讓 </a:t>
             </a:r>
             <a:r>
-              <a:rPr lang="en-US" altLang="zh-TW" dirty="0">
+              <a:rPr lang="en-US" altLang="zh-TW" sz="2400" dirty="0">
                 <a:solidFill>
                   <a:srgbClr val="000000"/>
                 </a:solidFill>
@@ -4873,7 +4954,7 @@
               <a:t>STM32 </a:t>
             </a:r>
             <a:r>
-              <a:rPr lang="zh-TW" altLang="en-US" dirty="0">
+              <a:rPr lang="zh-TW" altLang="en-US" sz="2400" dirty="0">
                 <a:solidFill>
                   <a:srgbClr val="000000"/>
                 </a:solidFill>
@@ -4883,7 +4964,7 @@
               <a:t>可以足夠快速的混音，我們直接把兩個音軌的數值都除以二再相加 </a:t>
             </a:r>
             <a:r>
-              <a:rPr lang="en-US" altLang="zh-TW" dirty="0">
+              <a:rPr lang="en-US" altLang="zh-TW" sz="2400" dirty="0">
                 <a:solidFill>
                   <a:srgbClr val="000000"/>
                 </a:solidFill>
@@ -4893,7 +4974,7 @@
               <a:t>(</a:t>
             </a:r>
             <a:r>
-              <a:rPr lang="zh-TW" altLang="en-US" dirty="0">
+              <a:rPr lang="zh-TW" altLang="en-US" sz="2400" dirty="0">
                 <a:solidFill>
                   <a:srgbClr val="000000"/>
                 </a:solidFill>
@@ -4903,7 +4984,7 @@
               <a:t>即 </a:t>
             </a:r>
             <a:r>
-              <a:rPr lang="en-US" altLang="zh-TW" dirty="0" err="1">
+              <a:rPr lang="en-US" altLang="zh-TW" sz="2400" dirty="0" err="1">
                 <a:solidFill>
                   <a:srgbClr val="000000"/>
                 </a:solidFill>
@@ -4913,7 +4994,7 @@
               <a:t>shift_amt</a:t>
             </a:r>
             <a:r>
-              <a:rPr lang="en-US" altLang="zh-TW" dirty="0">
+              <a:rPr lang="en-US" altLang="zh-TW" sz="2400" dirty="0">
                 <a:solidFill>
                   <a:srgbClr val="000000"/>
                 </a:solidFill>
@@ -4923,36 +5004,59 @@
               <a:t> + 1)</a:t>
             </a:r>
             <a:r>
-              <a:rPr lang="zh-TW" altLang="en-US" dirty="0">
+              <a:rPr lang="zh-TW" altLang="en-US" sz="2400" dirty="0">
                 <a:solidFill>
                   <a:srgbClr val="000000"/>
                 </a:solidFill>
                 <a:latin typeface="Microsoft JhengHei" panose="020B0604030504040204" pitchFamily="34" charset="-120"/>
                 <a:ea typeface="Microsoft JhengHei" panose="020B0604030504040204" pitchFamily="34" charset="-120"/>
               </a:rPr>
-              <a:t>，而非加權平均。很可惜的是光是在單位時間內讀取兩個 </a:t>
-            </a:r>
-            <a:r>
-              <a:rPr lang="en-US" altLang="zh-TW" dirty="0">
+              <a:t>，而非加權平均。</a:t>
+            </a:r>
+            <a:endParaRPr lang="en-US" altLang="zh-TW" sz="2400" dirty="0">
+              <a:solidFill>
+                <a:srgbClr val="000000"/>
+              </a:solidFill>
+              <a:latin typeface="Microsoft JhengHei" panose="020B0604030504040204" pitchFamily="34" charset="-120"/>
+              <a:ea typeface="Microsoft JhengHei" panose="020B0604030504040204" pitchFamily="34" charset="-120"/>
+            </a:endParaRPr>
+          </a:p>
+          <a:p>
+            <a:pPr marL="0" indent="0">
+              <a:buFont typeface="Arial" panose="020B0604020202020204" pitchFamily="34" charset="0"/>
+              <a:buNone/>
+            </a:pPr>
+            <a:r>
+              <a:rPr lang="zh-TW" altLang="en-US" sz="2400" dirty="0">
                 <a:solidFill>
                   <a:srgbClr val="000000"/>
                 </a:solidFill>
                 <a:latin typeface="Microsoft JhengHei" panose="020B0604030504040204" pitchFamily="34" charset="-120"/>
                 <a:ea typeface="Microsoft JhengHei" panose="020B0604030504040204" pitchFamily="34" charset="-120"/>
               </a:rPr>
+              <a:t>可惜的是光是在單位時間內讀取兩個 </a:t>
+            </a:r>
+            <a:r>
+              <a:rPr lang="en-US" altLang="zh-TW" sz="2400" dirty="0">
+                <a:solidFill>
+                  <a:srgbClr val="000000"/>
+                </a:solidFill>
+                <a:latin typeface="Microsoft JhengHei" panose="020B0604030504040204" pitchFamily="34" charset="-120"/>
+                <a:ea typeface="Microsoft JhengHei" panose="020B0604030504040204" pitchFamily="34" charset="-120"/>
+              </a:rPr>
               <a:t>wav</a:t>
             </a:r>
             <a:r>
-              <a:rPr lang="zh-TW" altLang="en-US" dirty="0">
+              <a:rPr lang="zh-TW" altLang="en-US" sz="2400" dirty="0">
                 <a:solidFill>
                   <a:srgbClr val="000000"/>
                 </a:solidFill>
                 <a:latin typeface="Microsoft JhengHei" panose="020B0604030504040204" pitchFamily="34" charset="-120"/>
                 <a:ea typeface="Microsoft JhengHei" panose="020B0604030504040204" pitchFamily="34" charset="-120"/>
               </a:rPr>
-              <a:t> 檔就超過時間要求了。</a:t>
-            </a:r>
-            <a:endParaRPr lang="en-US" altLang="zh-TW" dirty="0">
+              <a:t> 檔就超過時間要求了，所以播出的聲音品質很差。</a:t>
+            </a:r>
+            <a:endParaRPr lang="en-US" altLang="zh-TW" sz="2400" dirty="0">
               <a:latin typeface="Microsoft JhengHei" panose="020B0604030504040204" pitchFamily="34" charset="-120"/>
               <a:ea typeface="Microsoft JhengHei" panose="020B0604030504040204" pitchFamily="34" charset="-120"/>
             </a:endParaRPr>
@@ -5015,6 +5119,490 @@
                 <a:latin typeface="微軟正黑體" panose="020B0604030504040204" pitchFamily="34" charset="-120"/>
                 <a:ea typeface="微軟正黑體" panose="020B0604030504040204" pitchFamily="34" charset="-120"/>
               </a:rPr>
+              <a:t>在 </a:t>
+            </a:r>
+            <a:r>
+              <a:rPr lang="en-US" altLang="zh-TW" b="1" dirty="0">
+                <a:latin typeface="微軟正黑體" panose="020B0604030504040204" pitchFamily="34" charset="-120"/>
+                <a:ea typeface="微軟正黑體" panose="020B0604030504040204" pitchFamily="34" charset="-120"/>
+              </a:rPr>
+              <a:t>STM32 </a:t>
+            </a:r>
+            <a:r>
+              <a:rPr lang="zh-TW" altLang="en-US" b="1" dirty="0">
+                <a:latin typeface="微軟正黑體" panose="020B0604030504040204" pitchFamily="34" charset="-120"/>
+                <a:ea typeface="微軟正黑體" panose="020B0604030504040204" pitchFamily="34" charset="-120"/>
+              </a:rPr>
+              <a:t>播放音樂的問題與嘗試</a:t>
+            </a:r>
+          </a:p>
+        </p:txBody>
+      </p:sp>
+      <p:sp>
+        <p:nvSpPr>
+          <p:cNvPr id="4" name="內容版面配置區 3">
+            <a:extLst>
+              <a:ext uri="{FF2B5EF4-FFF2-40B4-BE49-F238E27FC236}">
+                <a16:creationId xmlns:a16="http://schemas.microsoft.com/office/drawing/2014/main" id="{614794AB-959D-C000-22E1-4BC1903C25FC}"/>
+              </a:ext>
+            </a:extLst>
+          </p:cNvPr>
+          <p:cNvSpPr>
+            <a:spLocks noGrp="1"/>
+          </p:cNvSpPr>
+          <p:nvPr>
+            <p:ph idx="1"/>
+          </p:nvPr>
+        </p:nvSpPr>
+        <p:spPr>
+          <a:xfrm>
+            <a:off x="838200" y="1825625"/>
+            <a:ext cx="10515600" cy="4796848"/>
+          </a:xfrm>
+        </p:spPr>
+        <p:txBody>
+          <a:bodyPr>
+            <a:normAutofit/>
+          </a:bodyPr>
+          <a:lstStyle/>
+          <a:p>
+            <a:r>
+              <a:rPr lang="en-US" altLang="zh-TW" sz="2400" dirty="0" err="1">
+                <a:latin typeface="Microsoft JhengHei" panose="020B0604030504040204" pitchFamily="34" charset="-120"/>
+                <a:ea typeface="Microsoft JhengHei" panose="020B0604030504040204" pitchFamily="34" charset="-120"/>
+              </a:rPr>
+              <a:t>FatFS</a:t>
+            </a:r>
+            <a:r>
+              <a:rPr lang="en-US" altLang="zh-TW" sz="2400" dirty="0">
+                <a:latin typeface="Microsoft JhengHei" panose="020B0604030504040204" pitchFamily="34" charset="-120"/>
+                <a:ea typeface="Microsoft JhengHei" panose="020B0604030504040204" pitchFamily="34" charset="-120"/>
+              </a:rPr>
+              <a:t> </a:t>
+            </a:r>
+            <a:r>
+              <a:rPr lang="zh-TW" altLang="en-US" sz="2400" dirty="0">
+                <a:latin typeface="Microsoft JhengHei" panose="020B0604030504040204" pitchFamily="34" charset="-120"/>
+                <a:ea typeface="Microsoft JhengHei" panose="020B0604030504040204" pitchFamily="34" charset="-120"/>
+              </a:rPr>
+              <a:t>的預設讀寫檔案有互斥鎖，必須先 </a:t>
+            </a:r>
+            <a:r>
+              <a:rPr lang="en-US" altLang="zh-TW" sz="2400" dirty="0">
+                <a:latin typeface="Microsoft JhengHei" panose="020B0604030504040204" pitchFamily="34" charset="-120"/>
+                <a:ea typeface="Microsoft JhengHei" panose="020B0604030504040204" pitchFamily="34" charset="-120"/>
+              </a:rPr>
+              <a:t>close </a:t>
+            </a:r>
+            <a:r>
+              <a:rPr lang="zh-TW" altLang="en-US" sz="2400" dirty="0">
+                <a:latin typeface="Microsoft JhengHei" panose="020B0604030504040204" pitchFamily="34" charset="-120"/>
+                <a:ea typeface="Microsoft JhengHei" panose="020B0604030504040204" pitchFamily="34" charset="-120"/>
+              </a:rPr>
+              <a:t>再 </a:t>
+            </a:r>
+            <a:r>
+              <a:rPr lang="en-US" altLang="zh-TW" sz="2400" dirty="0">
+                <a:latin typeface="Microsoft JhengHei" panose="020B0604030504040204" pitchFamily="34" charset="-120"/>
+                <a:ea typeface="Microsoft JhengHei" panose="020B0604030504040204" pitchFamily="34" charset="-120"/>
+              </a:rPr>
+              <a:t>open </a:t>
+            </a:r>
+            <a:r>
+              <a:rPr lang="zh-TW" altLang="en-US" sz="2400" dirty="0">
+                <a:latin typeface="Microsoft JhengHei" panose="020B0604030504040204" pitchFamily="34" charset="-120"/>
+                <a:ea typeface="Microsoft JhengHei" panose="020B0604030504040204" pitchFamily="34" charset="-120"/>
+              </a:rPr>
+              <a:t>新的檔案，不能夠同時開啟兩個 </a:t>
+            </a:r>
+            <a:r>
+              <a:rPr lang="en-US" altLang="zh-TW" sz="2400" dirty="0">
+                <a:latin typeface="Microsoft JhengHei" panose="020B0604030504040204" pitchFamily="34" charset="-120"/>
+                <a:ea typeface="Microsoft JhengHei" panose="020B0604030504040204" pitchFamily="34" charset="-120"/>
+              </a:rPr>
+              <a:t>wav</a:t>
+            </a:r>
+            <a:r>
+              <a:rPr lang="zh-TW" altLang="en-US" sz="2400" dirty="0">
+                <a:latin typeface="Microsoft JhengHei" panose="020B0604030504040204" pitchFamily="34" charset="-120"/>
+                <a:ea typeface="Microsoft JhengHei" panose="020B0604030504040204" pitchFamily="34" charset="-120"/>
+              </a:rPr>
+              <a:t> 檔，所以根據 </a:t>
+            </a:r>
+            <a:r>
+              <a:rPr lang="en-US" altLang="zh-TW" sz="2400" dirty="0" err="1">
+                <a:latin typeface="Microsoft JhengHei" panose="020B0604030504040204" pitchFamily="34" charset="-120"/>
+                <a:ea typeface="Microsoft JhengHei" panose="020B0604030504040204" pitchFamily="34" charset="-120"/>
+              </a:rPr>
+              <a:t>FatFS</a:t>
+            </a:r>
+            <a:r>
+              <a:rPr lang="en-US" altLang="zh-TW" sz="2400" dirty="0">
+                <a:latin typeface="Microsoft JhengHei" panose="020B0604030504040204" pitchFamily="34" charset="-120"/>
+                <a:ea typeface="Microsoft JhengHei" panose="020B0604030504040204" pitchFamily="34" charset="-120"/>
+              </a:rPr>
+              <a:t> </a:t>
+            </a:r>
+            <a:r>
+              <a:rPr lang="zh-TW" altLang="en-US" sz="2400" dirty="0">
+                <a:latin typeface="Microsoft JhengHei" panose="020B0604030504040204" pitchFamily="34" charset="-120"/>
+                <a:ea typeface="Microsoft JhengHei" panose="020B0604030504040204" pitchFamily="34" charset="-120"/>
+              </a:rPr>
+              <a:t>的文件將檔案系統設為 </a:t>
+            </a:r>
+            <a:r>
+              <a:rPr lang="en-US" altLang="zh-TW" sz="2400" dirty="0">
+                <a:latin typeface="Microsoft JhengHei" panose="020B0604030504040204" pitchFamily="34" charset="-120"/>
+                <a:ea typeface="Microsoft JhengHei" panose="020B0604030504040204" pitchFamily="34" charset="-120"/>
+              </a:rPr>
+              <a:t>read only</a:t>
+            </a:r>
+            <a:r>
+              <a:rPr lang="zh-TW" altLang="en-US" sz="2400" dirty="0">
+                <a:latin typeface="Microsoft JhengHei" panose="020B0604030504040204" pitchFamily="34" charset="-120"/>
+                <a:ea typeface="Microsoft JhengHei" panose="020B0604030504040204" pitchFamily="34" charset="-120"/>
+              </a:rPr>
+              <a:t>，取消互斥鎖。</a:t>
+            </a:r>
+            <a:endParaRPr lang="en-US" altLang="zh-TW" sz="2400" dirty="0">
+              <a:latin typeface="Microsoft JhengHei" panose="020B0604030504040204" pitchFamily="34" charset="-120"/>
+              <a:ea typeface="Microsoft JhengHei" panose="020B0604030504040204" pitchFamily="34" charset="-120"/>
+            </a:endParaRPr>
+          </a:p>
+          <a:p>
+            <a:pPr marL="0" indent="0">
+              <a:buNone/>
+            </a:pPr>
+            <a:r>
+              <a:rPr lang="zh-TW" altLang="en-US" sz="2400" dirty="0">
+                <a:latin typeface="Microsoft JhengHei" panose="020B0604030504040204" pitchFamily="34" charset="-120"/>
+                <a:ea typeface="Microsoft JhengHei" panose="020B0604030504040204" pitchFamily="34" charset="-120"/>
+              </a:rPr>
+              <a:t>   然而我們的程式來不及在時間內讀取兩個檔案並將 </a:t>
+            </a:r>
+            <a:r>
+              <a:rPr lang="en-US" altLang="zh-TW" sz="2400" dirty="0">
+                <a:latin typeface="Microsoft JhengHei" panose="020B0604030504040204" pitchFamily="34" charset="-120"/>
+                <a:ea typeface="Microsoft JhengHei" panose="020B0604030504040204" pitchFamily="34" charset="-120"/>
+              </a:rPr>
+              <a:t>buffer </a:t>
+            </a:r>
+            <a:r>
+              <a:rPr lang="zh-TW" altLang="en-US" sz="2400" dirty="0">
+                <a:latin typeface="Microsoft JhengHei" panose="020B0604030504040204" pitchFamily="34" charset="-120"/>
+                <a:ea typeface="Microsoft JhengHei" panose="020B0604030504040204" pitchFamily="34" charset="-120"/>
+              </a:rPr>
+              <a:t>混在一起。</a:t>
+            </a:r>
+            <a:endParaRPr lang="en-US" altLang="zh-TW" sz="2400" dirty="0">
+              <a:latin typeface="Microsoft JhengHei" panose="020B0604030504040204" pitchFamily="34" charset="-120"/>
+              <a:ea typeface="Microsoft JhengHei" panose="020B0604030504040204" pitchFamily="34" charset="-120"/>
+            </a:endParaRPr>
+          </a:p>
+          <a:p>
+            <a:r>
+              <a:rPr lang="zh-TW" altLang="en-US" sz="2400" dirty="0">
+                <a:latin typeface="Microsoft JhengHei" panose="020B0604030504040204" pitchFamily="34" charset="-120"/>
+                <a:ea typeface="Microsoft JhengHei" panose="020B0604030504040204" pitchFamily="34" charset="-120"/>
+              </a:rPr>
+              <a:t>將 </a:t>
+            </a:r>
+            <a:r>
+              <a:rPr lang="en-US" altLang="zh-TW" sz="2400" dirty="0" err="1">
+                <a:latin typeface="Microsoft JhengHei" panose="020B0604030504040204" pitchFamily="34" charset="-120"/>
+                <a:ea typeface="Microsoft JhengHei" panose="020B0604030504040204" pitchFamily="34" charset="-120"/>
+              </a:rPr>
+              <a:t>uart</a:t>
+            </a:r>
+            <a:r>
+              <a:rPr lang="en-US" altLang="zh-TW" sz="2400" dirty="0">
+                <a:latin typeface="Microsoft JhengHei" panose="020B0604030504040204" pitchFamily="34" charset="-120"/>
+                <a:ea typeface="Microsoft JhengHei" panose="020B0604030504040204" pitchFamily="34" charset="-120"/>
+              </a:rPr>
+              <a:t> </a:t>
+            </a:r>
+            <a:r>
+              <a:rPr lang="zh-TW" altLang="en-US" sz="2400" dirty="0">
+                <a:latin typeface="Microsoft JhengHei" panose="020B0604030504040204" pitchFamily="34" charset="-120"/>
+                <a:ea typeface="Microsoft JhengHei" panose="020B0604030504040204" pitchFamily="34" charset="-120"/>
+              </a:rPr>
+              <a:t>通訊的 </a:t>
+            </a:r>
+            <a:r>
+              <a:rPr lang="en-US" altLang="zh-TW" sz="2400" dirty="0">
+                <a:latin typeface="Microsoft JhengHei" panose="020B0604030504040204" pitchFamily="34" charset="-120"/>
+                <a:ea typeface="Microsoft JhengHei" panose="020B0604030504040204" pitchFamily="34" charset="-120"/>
+              </a:rPr>
+              <a:t>timeout </a:t>
+            </a:r>
+            <a:r>
+              <a:rPr lang="zh-TW" altLang="en-US" sz="2400" dirty="0">
+                <a:latin typeface="Microsoft JhengHei" panose="020B0604030504040204" pitchFamily="34" charset="-120"/>
+                <a:ea typeface="Microsoft JhengHei" panose="020B0604030504040204" pitchFamily="34" charset="-120"/>
+              </a:rPr>
+              <a:t>縮短，使其快點回傳。</a:t>
+            </a:r>
+            <a:endParaRPr lang="en-US" altLang="zh-TW" sz="2400" dirty="0">
+              <a:latin typeface="Microsoft JhengHei" panose="020B0604030504040204" pitchFamily="34" charset="-120"/>
+              <a:ea typeface="Microsoft JhengHei" panose="020B0604030504040204" pitchFamily="34" charset="-120"/>
+            </a:endParaRPr>
+          </a:p>
+          <a:p>
+            <a:endParaRPr lang="en-US" altLang="zh-TW" sz="2400" dirty="0">
+              <a:latin typeface="Microsoft JhengHei" panose="020B0604030504040204" pitchFamily="34" charset="-120"/>
+              <a:ea typeface="Microsoft JhengHei" panose="020B0604030504040204" pitchFamily="34" charset="-120"/>
+            </a:endParaRPr>
+          </a:p>
+          <a:p>
+            <a:endParaRPr lang="en-US" altLang="zh-TW" sz="2400" dirty="0">
+              <a:latin typeface="Microsoft JhengHei" panose="020B0604030504040204" pitchFamily="34" charset="-120"/>
+              <a:ea typeface="Microsoft JhengHei" panose="020B0604030504040204" pitchFamily="34" charset="-120"/>
+            </a:endParaRPr>
+          </a:p>
+          <a:p>
+            <a:r>
+              <a:rPr lang="zh-TW" altLang="en-US" sz="2400" dirty="0">
+                <a:latin typeface="Microsoft JhengHei" panose="020B0604030504040204" pitchFamily="34" charset="-120"/>
+                <a:ea typeface="Microsoft JhengHei" panose="020B0604030504040204" pitchFamily="34" charset="-120"/>
+              </a:rPr>
+              <a:t>調校各個 </a:t>
+            </a:r>
+            <a:r>
+              <a:rPr lang="en-US" altLang="zh-TW" sz="2400" dirty="0">
+                <a:latin typeface="Microsoft JhengHei" panose="020B0604030504040204" pitchFamily="34" charset="-120"/>
+                <a:ea typeface="Microsoft JhengHei" panose="020B0604030504040204" pitchFamily="34" charset="-120"/>
+              </a:rPr>
+              <a:t>task </a:t>
+            </a:r>
+            <a:r>
+              <a:rPr lang="zh-TW" altLang="en-US" sz="2400" dirty="0">
+                <a:latin typeface="Microsoft JhengHei" panose="020B0604030504040204" pitchFamily="34" charset="-120"/>
+                <a:ea typeface="Microsoft JhengHei" panose="020B0604030504040204" pitchFamily="34" charset="-120"/>
+              </a:rPr>
+              <a:t>的 </a:t>
+            </a:r>
+            <a:r>
+              <a:rPr lang="en-US" altLang="zh-TW" sz="2400" dirty="0">
+                <a:latin typeface="Microsoft JhengHei" panose="020B0604030504040204" pitchFamily="34" charset="-120"/>
+                <a:ea typeface="Microsoft JhengHei" panose="020B0604030504040204" pitchFamily="34" charset="-120"/>
+              </a:rPr>
+              <a:t>delay time</a:t>
+            </a:r>
+            <a:r>
+              <a:rPr lang="zh-TW" altLang="en-US" sz="2400" dirty="0">
+                <a:latin typeface="Microsoft JhengHei" panose="020B0604030504040204" pitchFamily="34" charset="-120"/>
+                <a:ea typeface="Microsoft JhengHei" panose="020B0604030504040204" pitchFamily="34" charset="-120"/>
+              </a:rPr>
+              <a:t> 使可變電阻、按鈕、搖桿維持足夠快的回應，同時可以順暢播放單一首音樂。</a:t>
+            </a:r>
+            <a:endParaRPr lang="en-US" altLang="zh-TW" sz="2400" dirty="0">
+              <a:latin typeface="Microsoft JhengHei" panose="020B0604030504040204" pitchFamily="34" charset="-120"/>
+              <a:ea typeface="Microsoft JhengHei" panose="020B0604030504040204" pitchFamily="34" charset="-120"/>
+            </a:endParaRPr>
+          </a:p>
+          <a:p>
+            <a:pPr marL="0" indent="0">
+              <a:buNone/>
+            </a:pPr>
+            <a:r>
+              <a:rPr lang="zh-TW" altLang="en-US" sz="2400" dirty="0">
+                <a:latin typeface="Microsoft JhengHei" panose="020B0604030504040204" pitchFamily="34" charset="-120"/>
+                <a:ea typeface="Microsoft JhengHei" panose="020B0604030504040204" pitchFamily="34" charset="-120"/>
+              </a:rPr>
+              <a:t>   </a:t>
+            </a:r>
+            <a:endParaRPr lang="en-US" altLang="zh-TW" sz="2400" dirty="0">
+              <a:latin typeface="Microsoft JhengHei" panose="020B0604030504040204" pitchFamily="34" charset="-120"/>
+              <a:ea typeface="Microsoft JhengHei" panose="020B0604030504040204" pitchFamily="34" charset="-120"/>
+            </a:endParaRPr>
+          </a:p>
+        </p:txBody>
+      </p:sp>
+      <p:sp>
+        <p:nvSpPr>
+          <p:cNvPr id="3" name="文字方塊 2">
+            <a:extLst>
+              <a:ext uri="{FF2B5EF4-FFF2-40B4-BE49-F238E27FC236}">
+                <a16:creationId xmlns:a16="http://schemas.microsoft.com/office/drawing/2014/main" id="{A169B98F-ED56-9331-360D-5444B39E5835}"/>
+              </a:ext>
+            </a:extLst>
+          </p:cNvPr>
+          <p:cNvSpPr txBox="1"/>
+          <p:nvPr/>
+        </p:nvSpPr>
+        <p:spPr>
+          <a:xfrm>
+            <a:off x="1191492" y="3872056"/>
+            <a:ext cx="6289963" cy="646331"/>
+          </a:xfrm>
+          <a:prstGeom prst="rect">
+            <a:avLst/>
+          </a:prstGeom>
+          <a:noFill/>
+          <a:ln>
+            <a:solidFill>
+              <a:srgbClr val="000000"/>
+            </a:solidFill>
+          </a:ln>
+        </p:spPr>
+        <p:txBody>
+          <a:bodyPr wrap="square" rtlCol="0">
+            <a:spAutoFit/>
+          </a:bodyPr>
+          <a:lstStyle/>
+          <a:p>
+            <a:r>
+              <a:rPr lang="de-DE" altLang="zh-TW" sz="1800" dirty="0">
+                <a:solidFill>
+                  <a:srgbClr val="000000"/>
+                </a:solidFill>
+                <a:latin typeface="Consolas" panose="020B0609020204030204" pitchFamily="49" charset="0"/>
+              </a:rPr>
+              <a:t>HAL_UART_Transmit(&amp;huart2, (</a:t>
+            </a:r>
+            <a:r>
+              <a:rPr lang="de-DE" altLang="zh-TW" sz="1800" dirty="0">
+                <a:solidFill>
+                  <a:srgbClr val="005032"/>
+                </a:solidFill>
+                <a:latin typeface="Consolas" panose="020B0609020204030204" pitchFamily="49" charset="0"/>
+              </a:rPr>
+              <a:t>uint8_t</a:t>
+            </a:r>
+            <a:r>
+              <a:rPr lang="de-DE" altLang="zh-TW" sz="1800" dirty="0">
+                <a:solidFill>
+                  <a:srgbClr val="000000"/>
+                </a:solidFill>
+                <a:latin typeface="Consolas" panose="020B0609020204030204" pitchFamily="49" charset="0"/>
+              </a:rPr>
+              <a:t> *)&amp;ch, 1, </a:t>
+            </a:r>
+            <a:r>
+              <a:rPr lang="de-DE" altLang="zh-TW" sz="1800" dirty="0">
+                <a:solidFill>
+                  <a:srgbClr val="FF0000"/>
+                </a:solidFill>
+                <a:latin typeface="Consolas" panose="020B0609020204030204" pitchFamily="49" charset="0"/>
+              </a:rPr>
+              <a:t>1</a:t>
+            </a:r>
+            <a:r>
+              <a:rPr lang="de-DE" altLang="zh-TW" sz="1800" dirty="0">
+                <a:solidFill>
+                  <a:srgbClr val="000000"/>
+                </a:solidFill>
+                <a:latin typeface="Consolas" panose="020B0609020204030204" pitchFamily="49" charset="0"/>
+              </a:rPr>
+              <a:t>);</a:t>
+            </a:r>
+          </a:p>
+          <a:p>
+            <a:r>
+              <a:rPr lang="en-US" altLang="zh-TW" sz="1800" dirty="0" err="1">
+                <a:solidFill>
+                  <a:srgbClr val="000000"/>
+                </a:solidFill>
+                <a:latin typeface="Consolas" panose="020B0609020204030204" pitchFamily="49" charset="0"/>
+              </a:rPr>
+              <a:t>HAL_UART_Receive</a:t>
+            </a:r>
+            <a:r>
+              <a:rPr lang="en-US" altLang="zh-TW" sz="1800" dirty="0">
+                <a:solidFill>
+                  <a:srgbClr val="000000"/>
+                </a:solidFill>
+                <a:latin typeface="Consolas" panose="020B0609020204030204" pitchFamily="49" charset="0"/>
+              </a:rPr>
+              <a:t>(&amp;huart2, &amp;receive, 1, </a:t>
+            </a:r>
+            <a:r>
+              <a:rPr lang="en-US" altLang="zh-TW" sz="1800" dirty="0">
+                <a:solidFill>
+                  <a:srgbClr val="FF0000"/>
+                </a:solidFill>
+                <a:latin typeface="Consolas" panose="020B0609020204030204" pitchFamily="49" charset="0"/>
+              </a:rPr>
+              <a:t>1</a:t>
+            </a:r>
+            <a:r>
+              <a:rPr lang="en-US" altLang="zh-TW" sz="1800" dirty="0">
+                <a:solidFill>
+                  <a:srgbClr val="000000"/>
+                </a:solidFill>
+                <a:latin typeface="Consolas" panose="020B0609020204030204" pitchFamily="49" charset="0"/>
+              </a:rPr>
+              <a:t>)</a:t>
+            </a:r>
+            <a:r>
+              <a:rPr lang="de-DE" altLang="zh-TW" dirty="0">
+                <a:solidFill>
+                  <a:srgbClr val="000000"/>
+                </a:solidFill>
+                <a:latin typeface="Consolas" panose="020B0609020204030204" pitchFamily="49" charset="0"/>
+              </a:rPr>
+              <a:t>;</a:t>
+            </a:r>
+            <a:endParaRPr lang="zh-TW" altLang="en-US" dirty="0"/>
+          </a:p>
+        </p:txBody>
+      </p:sp>
+    </p:spTree>
+    <p:extLst>
+      <p:ext uri="{BB962C8B-B14F-4D97-AF65-F5344CB8AC3E}">
+        <p14:creationId xmlns:p14="http://schemas.microsoft.com/office/powerpoint/2010/main" val="2234028639"/>
+      </p:ext>
+    </p:extLst>
+  </p:cSld>
+  <p:clrMapOvr>
+    <a:masterClrMapping/>
+  </p:clrMapOvr>
+</p:sld>
+</file>
+
+<file path=ppt/slides/slide8.xml><?xml version="1.0" encoding="utf-8"?>
+<p:sld xmlns:a="http://schemas.openxmlformats.org/drawingml/2006/main" xmlns:r="http://schemas.openxmlformats.org/officeDocument/2006/relationships" xmlns:p="http://schemas.openxmlformats.org/presentationml/2006/main">
+  <p:cSld>
+    <p:spTree>
+      <p:nvGrpSpPr>
+        <p:cNvPr id="1" name=""/>
+        <p:cNvGrpSpPr/>
+        <p:nvPr/>
+      </p:nvGrpSpPr>
+      <p:grpSpPr>
+        <a:xfrm>
+          <a:off x="0" y="0"/>
+          <a:ext cx="0" cy="0"/>
+          <a:chOff x="0" y="0"/>
+          <a:chExt cx="0" cy="0"/>
+        </a:xfrm>
+      </p:grpSpPr>
+      <p:sp>
+        <p:nvSpPr>
+          <p:cNvPr id="2" name="標題 1">
+            <a:extLst>
+              <a:ext uri="{FF2B5EF4-FFF2-40B4-BE49-F238E27FC236}">
+                <a16:creationId xmlns:a16="http://schemas.microsoft.com/office/drawing/2014/main" id="{31B57F1E-5902-4F70-9064-D379BAEF6C70}"/>
+              </a:ext>
+            </a:extLst>
+          </p:cNvPr>
+          <p:cNvSpPr>
+            <a:spLocks noGrp="1"/>
+          </p:cNvSpPr>
+          <p:nvPr>
+            <p:ph type="title"/>
+          </p:nvPr>
+        </p:nvSpPr>
+        <p:spPr/>
+        <p:txBody>
+          <a:bodyPr/>
+          <a:lstStyle/>
+          <a:p>
+            <a:r>
+              <a:rPr lang="zh-TW" altLang="en-US" b="1" dirty="0">
+                <a:latin typeface="微軟正黑體" panose="020B0604030504040204" pitchFamily="34" charset="-120"/>
+                <a:ea typeface="微軟正黑體" panose="020B0604030504040204" pitchFamily="34" charset="-120"/>
+              </a:rPr>
               <a:t>成果展示</a:t>
             </a:r>
           </a:p>
@@ -5126,7 +5714,7 @@
 </p:sld>
 </file>
 
-<file path=ppt/slides/slide8.xml><?xml version="1.0" encoding="utf-8"?>
+<file path=ppt/slides/slide9.xml><?xml version="1.0" encoding="utf-8"?>
 <p:sld xmlns:a="http://schemas.openxmlformats.org/drawingml/2006/main" xmlns:r="http://schemas.openxmlformats.org/officeDocument/2006/relationships" xmlns:p="http://schemas.openxmlformats.org/presentationml/2006/main">
   <p:cSld>
     <p:spTree>
